--- a/ebook vii.pptx
+++ b/ebook vii.pptx
@@ -9224,9 +9224,15 @@
                 <a:solidFill>
                   <a:srgbClr val="00B0F0"/>
                 </a:solidFill>
+                <a:hlinkClick r:id="rId5"/>
               </a:rPr>
-              <a:t>https://github.com/buzinadeaviao/ebook-DIO-AI.git</a:t>
-            </a:r>
+              <a:t>https://github.com/alanambrozio/ebook-DIO-AI</a:t>
+            </a:r>
+            <a:endParaRPr lang="pt-BR" dirty="0">
+              <a:solidFill>
+                <a:srgbClr val="00B0F0"/>
+              </a:solidFill>
+            </a:endParaRPr>
           </a:p>
         </p:txBody>
       </p:sp>
